--- a/Grant_figure_4.pptx
+++ b/Grant_figure_4.pptx
@@ -2,12 +2,12 @@
 <file path=ppt/presentation.xml><?xml version="1.0" encoding="utf-8"?>
 <p:presentation xmlns:a="http://schemas.openxmlformats.org/drawingml/2006/main" xmlns:r="http://schemas.openxmlformats.org/officeDocument/2006/relationships" xmlns:p="http://schemas.openxmlformats.org/presentationml/2006/main" saveSubsetFonts="1" autoCompressPictures="0">
   <p:sldMasterIdLst>
-    <p:sldMasterId id="2147483708" r:id="rId1"/>
+    <p:sldMasterId id="2147483720" r:id="rId1"/>
   </p:sldMasterIdLst>
   <p:sldIdLst>
     <p:sldId id="256" r:id="rId2"/>
   </p:sldIdLst>
-  <p:sldSz cx="12192000" cy="5029200"/>
+  <p:sldSz cx="12192000" cy="4679950"/>
   <p:notesSz cx="6858000" cy="9144000"/>
   <p:defaultTextStyle>
     <a:defPPr>
@@ -141,15 +141,15 @@
         </p:nvSpPr>
         <p:spPr>
           <a:xfrm>
-            <a:off x="1524000" y="823066"/>
-            <a:ext cx="9144000" cy="1750907"/>
+            <a:off x="1524000" y="765909"/>
+            <a:ext cx="9144000" cy="1629316"/>
           </a:xfrm>
         </p:spPr>
         <p:txBody>
           <a:bodyPr anchor="b"/>
           <a:lstStyle>
             <a:lvl1pPr algn="ctr">
-              <a:defRPr sz="4400"/>
+              <a:defRPr sz="4094"/>
             </a:lvl1pPr>
           </a:lstStyle>
           <a:p>
@@ -173,8 +173,8 @@
         </p:nvSpPr>
         <p:spPr>
           <a:xfrm>
-            <a:off x="1524000" y="2641495"/>
-            <a:ext cx="9144000" cy="1214225"/>
+            <a:off x="1524000" y="2458058"/>
+            <a:ext cx="9144000" cy="1129904"/>
           </a:xfrm>
         </p:spPr>
         <p:txBody>
@@ -182,39 +182,39 @@
           <a:lstStyle>
             <a:lvl1pPr marL="0" indent="0" algn="ctr">
               <a:buNone/>
-              <a:defRPr sz="1760"/>
+              <a:defRPr sz="1638"/>
             </a:lvl1pPr>
-            <a:lvl2pPr marL="335265" indent="0" algn="ctr">
-              <a:buNone/>
-              <a:defRPr sz="1467"/>
+            <a:lvl2pPr marL="311993" indent="0" algn="ctr">
+              <a:buNone/>
+              <a:defRPr sz="1365"/>
             </a:lvl2pPr>
-            <a:lvl3pPr marL="670530" indent="0" algn="ctr">
-              <a:buNone/>
-              <a:defRPr sz="1320"/>
+            <a:lvl3pPr marL="623987" indent="0" algn="ctr">
+              <a:buNone/>
+              <a:defRPr sz="1228"/>
             </a:lvl3pPr>
-            <a:lvl4pPr marL="1005794" indent="0" algn="ctr">
-              <a:buNone/>
-              <a:defRPr sz="1173"/>
+            <a:lvl4pPr marL="935980" indent="0" algn="ctr">
+              <a:buNone/>
+              <a:defRPr sz="1092"/>
             </a:lvl4pPr>
-            <a:lvl5pPr marL="1341059" indent="0" algn="ctr">
-              <a:buNone/>
-              <a:defRPr sz="1173"/>
+            <a:lvl5pPr marL="1247973" indent="0" algn="ctr">
+              <a:buNone/>
+              <a:defRPr sz="1092"/>
             </a:lvl5pPr>
-            <a:lvl6pPr marL="1676324" indent="0" algn="ctr">
-              <a:buNone/>
-              <a:defRPr sz="1173"/>
+            <a:lvl6pPr marL="1559966" indent="0" algn="ctr">
+              <a:buNone/>
+              <a:defRPr sz="1092"/>
             </a:lvl6pPr>
-            <a:lvl7pPr marL="2011589" indent="0" algn="ctr">
-              <a:buNone/>
-              <a:defRPr sz="1173"/>
+            <a:lvl7pPr marL="1871960" indent="0" algn="ctr">
+              <a:buNone/>
+              <a:defRPr sz="1092"/>
             </a:lvl7pPr>
-            <a:lvl8pPr marL="2346853" indent="0" algn="ctr">
-              <a:buNone/>
-              <a:defRPr sz="1173"/>
+            <a:lvl8pPr marL="2183953" indent="0" algn="ctr">
+              <a:buNone/>
+              <a:defRPr sz="1092"/>
             </a:lvl8pPr>
-            <a:lvl9pPr marL="2682118" indent="0" algn="ctr">
-              <a:buNone/>
-              <a:defRPr sz="1173"/>
+            <a:lvl9pPr marL="2495946" indent="0" algn="ctr">
+              <a:buNone/>
+              <a:defRPr sz="1092"/>
             </a:lvl9pPr>
           </a:lstStyle>
           <a:p>
@@ -243,7 +243,7 @@
           <a:p>
             <a:fld id="{DF4D41E4-F8C1-0241-8229-775EA06FCC2F}" type="datetimeFigureOut">
               <a:rPr lang="en-US" smtClean="0"/>
-              <a:t>10/30/20</a:t>
+              <a:t>11/2/20</a:t>
             </a:fld>
             <a:endParaRPr lang="en-US"/>
           </a:p>
@@ -294,7 +294,7 @@
     </p:spTree>
     <p:extLst>
       <p:ext uri="{BB962C8B-B14F-4D97-AF65-F5344CB8AC3E}">
-        <p14:creationId xmlns:p14="http://schemas.microsoft.com/office/powerpoint/2010/main" val="1030507267"/>
+        <p14:creationId xmlns:p14="http://schemas.microsoft.com/office/powerpoint/2010/main" val="2628347360"/>
       </p:ext>
     </p:extLst>
   </p:cSld>
@@ -413,7 +413,7 @@
           <a:p>
             <a:fld id="{DF4D41E4-F8C1-0241-8229-775EA06FCC2F}" type="datetimeFigureOut">
               <a:rPr lang="en-US" smtClean="0"/>
-              <a:t>10/30/20</a:t>
+              <a:t>11/2/20</a:t>
             </a:fld>
             <a:endParaRPr lang="en-US"/>
           </a:p>
@@ -464,7 +464,7 @@
     </p:spTree>
     <p:extLst>
       <p:ext uri="{BB962C8B-B14F-4D97-AF65-F5344CB8AC3E}">
-        <p14:creationId xmlns:p14="http://schemas.microsoft.com/office/powerpoint/2010/main" val="171804037"/>
+        <p14:creationId xmlns:p14="http://schemas.microsoft.com/office/powerpoint/2010/main" val="1956845361"/>
       </p:ext>
     </p:extLst>
   </p:cSld>
@@ -503,8 +503,8 @@
         </p:nvSpPr>
         <p:spPr>
           <a:xfrm>
-            <a:off x="8724900" y="267758"/>
-            <a:ext cx="2628900" cy="4262015"/>
+            <a:off x="8724900" y="249164"/>
+            <a:ext cx="2628900" cy="3966041"/>
           </a:xfrm>
         </p:spPr>
         <p:txBody>
@@ -531,8 +531,8 @@
         </p:nvSpPr>
         <p:spPr>
           <a:xfrm>
-            <a:off x="838200" y="267758"/>
-            <a:ext cx="7734300" cy="4262015"/>
+            <a:off x="838200" y="249164"/>
+            <a:ext cx="7734300" cy="3966041"/>
           </a:xfrm>
         </p:spPr>
         <p:txBody>
@@ -593,7 +593,7 @@
           <a:p>
             <a:fld id="{DF4D41E4-F8C1-0241-8229-775EA06FCC2F}" type="datetimeFigureOut">
               <a:rPr lang="en-US" smtClean="0"/>
-              <a:t>10/30/20</a:t>
+              <a:t>11/2/20</a:t>
             </a:fld>
             <a:endParaRPr lang="en-US"/>
           </a:p>
@@ -644,7 +644,7 @@
     </p:spTree>
     <p:extLst>
       <p:ext uri="{BB962C8B-B14F-4D97-AF65-F5344CB8AC3E}">
-        <p14:creationId xmlns:p14="http://schemas.microsoft.com/office/powerpoint/2010/main" val="1203195887"/>
+        <p14:creationId xmlns:p14="http://schemas.microsoft.com/office/powerpoint/2010/main" val="332537323"/>
       </p:ext>
     </p:extLst>
   </p:cSld>
@@ -763,7 +763,7 @@
           <a:p>
             <a:fld id="{DF4D41E4-F8C1-0241-8229-775EA06FCC2F}" type="datetimeFigureOut">
               <a:rPr lang="en-US" smtClean="0"/>
-              <a:t>10/30/20</a:t>
+              <a:t>11/2/20</a:t>
             </a:fld>
             <a:endParaRPr lang="en-US"/>
           </a:p>
@@ -814,7 +814,7 @@
     </p:spTree>
     <p:extLst>
       <p:ext uri="{BB962C8B-B14F-4D97-AF65-F5344CB8AC3E}">
-        <p14:creationId xmlns:p14="http://schemas.microsoft.com/office/powerpoint/2010/main" val="1447000329"/>
+        <p14:creationId xmlns:p14="http://schemas.microsoft.com/office/powerpoint/2010/main" val="3453070892"/>
       </p:ext>
     </p:extLst>
   </p:cSld>
@@ -853,15 +853,15 @@
         </p:nvSpPr>
         <p:spPr>
           <a:xfrm>
-            <a:off x="831850" y="1253808"/>
-            <a:ext cx="10515600" cy="2092007"/>
+            <a:off x="831850" y="1166738"/>
+            <a:ext cx="10515600" cy="1946729"/>
           </a:xfrm>
         </p:spPr>
         <p:txBody>
           <a:bodyPr anchor="b"/>
           <a:lstStyle>
             <a:lvl1pPr>
-              <a:defRPr sz="4400"/>
+              <a:defRPr sz="4094"/>
             </a:lvl1pPr>
           </a:lstStyle>
           <a:p>
@@ -885,8 +885,8 @@
         </p:nvSpPr>
         <p:spPr>
           <a:xfrm>
-            <a:off x="831850" y="3365607"/>
-            <a:ext cx="10515600" cy="1100137"/>
+            <a:off x="831850" y="3131884"/>
+            <a:ext cx="10515600" cy="1023739"/>
           </a:xfrm>
         </p:spPr>
         <p:txBody>
@@ -894,7 +894,7 @@
           <a:lstStyle>
             <a:lvl1pPr marL="0" indent="0">
               <a:buNone/>
-              <a:defRPr sz="1760">
+              <a:defRPr sz="1638">
                 <a:solidFill>
                   <a:schemeClr val="tx1">
                     <a:tint val="75000"/>
@@ -902,9 +902,9 @@
                 </a:solidFill>
               </a:defRPr>
             </a:lvl1pPr>
-            <a:lvl2pPr marL="335265" indent="0">
-              <a:buNone/>
-              <a:defRPr sz="1467">
+            <a:lvl2pPr marL="311993" indent="0">
+              <a:buNone/>
+              <a:defRPr sz="1365">
                 <a:solidFill>
                   <a:schemeClr val="tx1">
                     <a:tint val="75000"/>
@@ -912,9 +912,9 @@
                 </a:solidFill>
               </a:defRPr>
             </a:lvl2pPr>
-            <a:lvl3pPr marL="670530" indent="0">
-              <a:buNone/>
-              <a:defRPr sz="1320">
+            <a:lvl3pPr marL="623987" indent="0">
+              <a:buNone/>
+              <a:defRPr sz="1228">
                 <a:solidFill>
                   <a:schemeClr val="tx1">
                     <a:tint val="75000"/>
@@ -922,9 +922,9 @@
                 </a:solidFill>
               </a:defRPr>
             </a:lvl3pPr>
-            <a:lvl4pPr marL="1005794" indent="0">
-              <a:buNone/>
-              <a:defRPr sz="1173">
+            <a:lvl4pPr marL="935980" indent="0">
+              <a:buNone/>
+              <a:defRPr sz="1092">
                 <a:solidFill>
                   <a:schemeClr val="tx1">
                     <a:tint val="75000"/>
@@ -932,9 +932,9 @@
                 </a:solidFill>
               </a:defRPr>
             </a:lvl4pPr>
-            <a:lvl5pPr marL="1341059" indent="0">
-              <a:buNone/>
-              <a:defRPr sz="1173">
+            <a:lvl5pPr marL="1247973" indent="0">
+              <a:buNone/>
+              <a:defRPr sz="1092">
                 <a:solidFill>
                   <a:schemeClr val="tx1">
                     <a:tint val="75000"/>
@@ -942,9 +942,9 @@
                 </a:solidFill>
               </a:defRPr>
             </a:lvl5pPr>
-            <a:lvl6pPr marL="1676324" indent="0">
-              <a:buNone/>
-              <a:defRPr sz="1173">
+            <a:lvl6pPr marL="1559966" indent="0">
+              <a:buNone/>
+              <a:defRPr sz="1092">
                 <a:solidFill>
                   <a:schemeClr val="tx1">
                     <a:tint val="75000"/>
@@ -952,9 +952,9 @@
                 </a:solidFill>
               </a:defRPr>
             </a:lvl6pPr>
-            <a:lvl7pPr marL="2011589" indent="0">
-              <a:buNone/>
-              <a:defRPr sz="1173">
+            <a:lvl7pPr marL="1871960" indent="0">
+              <a:buNone/>
+              <a:defRPr sz="1092">
                 <a:solidFill>
                   <a:schemeClr val="tx1">
                     <a:tint val="75000"/>
@@ -962,9 +962,9 @@
                 </a:solidFill>
               </a:defRPr>
             </a:lvl7pPr>
-            <a:lvl8pPr marL="2346853" indent="0">
-              <a:buNone/>
-              <a:defRPr sz="1173">
+            <a:lvl8pPr marL="2183953" indent="0">
+              <a:buNone/>
+              <a:defRPr sz="1092">
                 <a:solidFill>
                   <a:schemeClr val="tx1">
                     <a:tint val="75000"/>
@@ -972,9 +972,9 @@
                 </a:solidFill>
               </a:defRPr>
             </a:lvl8pPr>
-            <a:lvl9pPr marL="2682118" indent="0">
-              <a:buNone/>
-              <a:defRPr sz="1173">
+            <a:lvl9pPr marL="2495946" indent="0">
+              <a:buNone/>
+              <a:defRPr sz="1092">
                 <a:solidFill>
                   <a:schemeClr val="tx1">
                     <a:tint val="75000"/>
@@ -1009,7 +1009,7 @@
           <a:p>
             <a:fld id="{DF4D41E4-F8C1-0241-8229-775EA06FCC2F}" type="datetimeFigureOut">
               <a:rPr lang="en-US" smtClean="0"/>
-              <a:t>10/30/20</a:t>
+              <a:t>11/2/20</a:t>
             </a:fld>
             <a:endParaRPr lang="en-US"/>
           </a:p>
@@ -1060,7 +1060,7 @@
     </p:spTree>
     <p:extLst>
       <p:ext uri="{BB962C8B-B14F-4D97-AF65-F5344CB8AC3E}">
-        <p14:creationId xmlns:p14="http://schemas.microsoft.com/office/powerpoint/2010/main" val="1048026280"/>
+        <p14:creationId xmlns:p14="http://schemas.microsoft.com/office/powerpoint/2010/main" val="2502656265"/>
       </p:ext>
     </p:extLst>
   </p:cSld>
@@ -1122,8 +1122,8 @@
         </p:nvSpPr>
         <p:spPr>
           <a:xfrm>
-            <a:off x="838200" y="1338792"/>
-            <a:ext cx="5181600" cy="3190981"/>
+            <a:off x="838200" y="1245820"/>
+            <a:ext cx="5181600" cy="2969385"/>
           </a:xfrm>
         </p:spPr>
         <p:txBody>
@@ -1179,8 +1179,8 @@
         </p:nvSpPr>
         <p:spPr>
           <a:xfrm>
-            <a:off x="6172200" y="1338792"/>
-            <a:ext cx="5181600" cy="3190981"/>
+            <a:off x="6172200" y="1245820"/>
+            <a:ext cx="5181600" cy="2969385"/>
           </a:xfrm>
         </p:spPr>
         <p:txBody>
@@ -1241,7 +1241,7 @@
           <a:p>
             <a:fld id="{DF4D41E4-F8C1-0241-8229-775EA06FCC2F}" type="datetimeFigureOut">
               <a:rPr lang="en-US" smtClean="0"/>
-              <a:t>10/30/20</a:t>
+              <a:t>11/2/20</a:t>
             </a:fld>
             <a:endParaRPr lang="en-US"/>
           </a:p>
@@ -1292,7 +1292,7 @@
     </p:spTree>
     <p:extLst>
       <p:ext uri="{BB962C8B-B14F-4D97-AF65-F5344CB8AC3E}">
-        <p14:creationId xmlns:p14="http://schemas.microsoft.com/office/powerpoint/2010/main" val="3239012127"/>
+        <p14:creationId xmlns:p14="http://schemas.microsoft.com/office/powerpoint/2010/main" val="3661543495"/>
       </p:ext>
     </p:extLst>
   </p:cSld>
@@ -1331,8 +1331,8 @@
         </p:nvSpPr>
         <p:spPr>
           <a:xfrm>
-            <a:off x="839788" y="267758"/>
-            <a:ext cx="10515600" cy="972080"/>
+            <a:off x="839788" y="249164"/>
+            <a:ext cx="10515600" cy="904574"/>
           </a:xfrm>
         </p:spPr>
         <p:txBody>
@@ -1359,8 +1359,8 @@
         </p:nvSpPr>
         <p:spPr>
           <a:xfrm>
-            <a:off x="839789" y="1232853"/>
-            <a:ext cx="5157787" cy="604202"/>
+            <a:off x="839789" y="1147238"/>
+            <a:ext cx="5157787" cy="562244"/>
           </a:xfrm>
         </p:spPr>
         <p:txBody>
@@ -1368,39 +1368,39 @@
           <a:lstStyle>
             <a:lvl1pPr marL="0" indent="0">
               <a:buNone/>
-              <a:defRPr sz="1760" b="1"/>
+              <a:defRPr sz="1638" b="1"/>
             </a:lvl1pPr>
-            <a:lvl2pPr marL="335265" indent="0">
-              <a:buNone/>
-              <a:defRPr sz="1467" b="1"/>
+            <a:lvl2pPr marL="311993" indent="0">
+              <a:buNone/>
+              <a:defRPr sz="1365" b="1"/>
             </a:lvl2pPr>
-            <a:lvl3pPr marL="670530" indent="0">
-              <a:buNone/>
-              <a:defRPr sz="1320" b="1"/>
+            <a:lvl3pPr marL="623987" indent="0">
+              <a:buNone/>
+              <a:defRPr sz="1228" b="1"/>
             </a:lvl3pPr>
-            <a:lvl4pPr marL="1005794" indent="0">
-              <a:buNone/>
-              <a:defRPr sz="1173" b="1"/>
+            <a:lvl4pPr marL="935980" indent="0">
+              <a:buNone/>
+              <a:defRPr sz="1092" b="1"/>
             </a:lvl4pPr>
-            <a:lvl5pPr marL="1341059" indent="0">
-              <a:buNone/>
-              <a:defRPr sz="1173" b="1"/>
+            <a:lvl5pPr marL="1247973" indent="0">
+              <a:buNone/>
+              <a:defRPr sz="1092" b="1"/>
             </a:lvl5pPr>
-            <a:lvl6pPr marL="1676324" indent="0">
-              <a:buNone/>
-              <a:defRPr sz="1173" b="1"/>
+            <a:lvl6pPr marL="1559966" indent="0">
+              <a:buNone/>
+              <a:defRPr sz="1092" b="1"/>
             </a:lvl6pPr>
-            <a:lvl7pPr marL="2011589" indent="0">
-              <a:buNone/>
-              <a:defRPr sz="1173" b="1"/>
+            <a:lvl7pPr marL="1871960" indent="0">
+              <a:buNone/>
+              <a:defRPr sz="1092" b="1"/>
             </a:lvl7pPr>
-            <a:lvl8pPr marL="2346853" indent="0">
-              <a:buNone/>
-              <a:defRPr sz="1173" b="1"/>
+            <a:lvl8pPr marL="2183953" indent="0">
+              <a:buNone/>
+              <a:defRPr sz="1092" b="1"/>
             </a:lvl8pPr>
-            <a:lvl9pPr marL="2682118" indent="0">
-              <a:buNone/>
-              <a:defRPr sz="1173" b="1"/>
+            <a:lvl9pPr marL="2495946" indent="0">
+              <a:buNone/>
+              <a:defRPr sz="1092" b="1"/>
             </a:lvl9pPr>
           </a:lstStyle>
           <a:p>
@@ -1424,8 +1424,8 @@
         </p:nvSpPr>
         <p:spPr>
           <a:xfrm>
-            <a:off x="839789" y="1837055"/>
-            <a:ext cx="5157787" cy="2702031"/>
+            <a:off x="839789" y="1709482"/>
+            <a:ext cx="5157787" cy="2514390"/>
           </a:xfrm>
         </p:spPr>
         <p:txBody>
@@ -1481,8 +1481,8 @@
         </p:nvSpPr>
         <p:spPr>
           <a:xfrm>
-            <a:off x="6172200" y="1232853"/>
-            <a:ext cx="5183188" cy="604202"/>
+            <a:off x="6172200" y="1147238"/>
+            <a:ext cx="5183188" cy="562244"/>
           </a:xfrm>
         </p:spPr>
         <p:txBody>
@@ -1490,39 +1490,39 @@
           <a:lstStyle>
             <a:lvl1pPr marL="0" indent="0">
               <a:buNone/>
-              <a:defRPr sz="1760" b="1"/>
+              <a:defRPr sz="1638" b="1"/>
             </a:lvl1pPr>
-            <a:lvl2pPr marL="335265" indent="0">
-              <a:buNone/>
-              <a:defRPr sz="1467" b="1"/>
+            <a:lvl2pPr marL="311993" indent="0">
+              <a:buNone/>
+              <a:defRPr sz="1365" b="1"/>
             </a:lvl2pPr>
-            <a:lvl3pPr marL="670530" indent="0">
-              <a:buNone/>
-              <a:defRPr sz="1320" b="1"/>
+            <a:lvl3pPr marL="623987" indent="0">
+              <a:buNone/>
+              <a:defRPr sz="1228" b="1"/>
             </a:lvl3pPr>
-            <a:lvl4pPr marL="1005794" indent="0">
-              <a:buNone/>
-              <a:defRPr sz="1173" b="1"/>
+            <a:lvl4pPr marL="935980" indent="0">
+              <a:buNone/>
+              <a:defRPr sz="1092" b="1"/>
             </a:lvl4pPr>
-            <a:lvl5pPr marL="1341059" indent="0">
-              <a:buNone/>
-              <a:defRPr sz="1173" b="1"/>
+            <a:lvl5pPr marL="1247973" indent="0">
+              <a:buNone/>
+              <a:defRPr sz="1092" b="1"/>
             </a:lvl5pPr>
-            <a:lvl6pPr marL="1676324" indent="0">
-              <a:buNone/>
-              <a:defRPr sz="1173" b="1"/>
+            <a:lvl6pPr marL="1559966" indent="0">
+              <a:buNone/>
+              <a:defRPr sz="1092" b="1"/>
             </a:lvl6pPr>
-            <a:lvl7pPr marL="2011589" indent="0">
-              <a:buNone/>
-              <a:defRPr sz="1173" b="1"/>
+            <a:lvl7pPr marL="1871960" indent="0">
+              <a:buNone/>
+              <a:defRPr sz="1092" b="1"/>
             </a:lvl7pPr>
-            <a:lvl8pPr marL="2346853" indent="0">
-              <a:buNone/>
-              <a:defRPr sz="1173" b="1"/>
+            <a:lvl8pPr marL="2183953" indent="0">
+              <a:buNone/>
+              <a:defRPr sz="1092" b="1"/>
             </a:lvl8pPr>
-            <a:lvl9pPr marL="2682118" indent="0">
-              <a:buNone/>
-              <a:defRPr sz="1173" b="1"/>
+            <a:lvl9pPr marL="2495946" indent="0">
+              <a:buNone/>
+              <a:defRPr sz="1092" b="1"/>
             </a:lvl9pPr>
           </a:lstStyle>
           <a:p>
@@ -1546,8 +1546,8 @@
         </p:nvSpPr>
         <p:spPr>
           <a:xfrm>
-            <a:off x="6172200" y="1837055"/>
-            <a:ext cx="5183188" cy="2702031"/>
+            <a:off x="6172200" y="1709482"/>
+            <a:ext cx="5183188" cy="2514390"/>
           </a:xfrm>
         </p:spPr>
         <p:txBody>
@@ -1608,7 +1608,7 @@
           <a:p>
             <a:fld id="{DF4D41E4-F8C1-0241-8229-775EA06FCC2F}" type="datetimeFigureOut">
               <a:rPr lang="en-US" smtClean="0"/>
-              <a:t>10/30/20</a:t>
+              <a:t>11/2/20</a:t>
             </a:fld>
             <a:endParaRPr lang="en-US"/>
           </a:p>
@@ -1659,7 +1659,7 @@
     </p:spTree>
     <p:extLst>
       <p:ext uri="{BB962C8B-B14F-4D97-AF65-F5344CB8AC3E}">
-        <p14:creationId xmlns:p14="http://schemas.microsoft.com/office/powerpoint/2010/main" val="983207154"/>
+        <p14:creationId xmlns:p14="http://schemas.microsoft.com/office/powerpoint/2010/main" val="1254858243"/>
       </p:ext>
     </p:extLst>
   </p:cSld>
@@ -1726,7 +1726,7 @@
           <a:p>
             <a:fld id="{DF4D41E4-F8C1-0241-8229-775EA06FCC2F}" type="datetimeFigureOut">
               <a:rPr lang="en-US" smtClean="0"/>
-              <a:t>10/30/20</a:t>
+              <a:t>11/2/20</a:t>
             </a:fld>
             <a:endParaRPr lang="en-US"/>
           </a:p>
@@ -1777,7 +1777,7 @@
     </p:spTree>
     <p:extLst>
       <p:ext uri="{BB962C8B-B14F-4D97-AF65-F5344CB8AC3E}">
-        <p14:creationId xmlns:p14="http://schemas.microsoft.com/office/powerpoint/2010/main" val="3402467295"/>
+        <p14:creationId xmlns:p14="http://schemas.microsoft.com/office/powerpoint/2010/main" val="1530747241"/>
       </p:ext>
     </p:extLst>
   </p:cSld>
@@ -1821,7 +1821,7 @@
           <a:p>
             <a:fld id="{DF4D41E4-F8C1-0241-8229-775EA06FCC2F}" type="datetimeFigureOut">
               <a:rPr lang="en-US" smtClean="0"/>
-              <a:t>10/30/20</a:t>
+              <a:t>11/2/20</a:t>
             </a:fld>
             <a:endParaRPr lang="en-US"/>
           </a:p>
@@ -1872,7 +1872,7 @@
     </p:spTree>
     <p:extLst>
       <p:ext uri="{BB962C8B-B14F-4D97-AF65-F5344CB8AC3E}">
-        <p14:creationId xmlns:p14="http://schemas.microsoft.com/office/powerpoint/2010/main" val="4048068634"/>
+        <p14:creationId xmlns:p14="http://schemas.microsoft.com/office/powerpoint/2010/main" val="3664412241"/>
       </p:ext>
     </p:extLst>
   </p:cSld>
@@ -1911,15 +1911,15 @@
         </p:nvSpPr>
         <p:spPr>
           <a:xfrm>
-            <a:off x="839789" y="335280"/>
-            <a:ext cx="3932237" cy="1173480"/>
+            <a:off x="839789" y="311997"/>
+            <a:ext cx="3932237" cy="1091988"/>
           </a:xfrm>
         </p:spPr>
         <p:txBody>
           <a:bodyPr anchor="b"/>
           <a:lstStyle>
             <a:lvl1pPr>
-              <a:defRPr sz="2347"/>
+              <a:defRPr sz="2184"/>
             </a:lvl1pPr>
           </a:lstStyle>
           <a:p>
@@ -1943,39 +1943,39 @@
         </p:nvSpPr>
         <p:spPr>
           <a:xfrm>
-            <a:off x="5183188" y="724112"/>
-            <a:ext cx="6172200" cy="3573992"/>
+            <a:off x="5183188" y="673826"/>
+            <a:ext cx="6172200" cy="3325798"/>
           </a:xfrm>
         </p:spPr>
         <p:txBody>
           <a:bodyPr/>
           <a:lstStyle>
             <a:lvl1pPr>
-              <a:defRPr sz="2347"/>
+              <a:defRPr sz="2184"/>
             </a:lvl1pPr>
             <a:lvl2pPr>
-              <a:defRPr sz="2053"/>
+              <a:defRPr sz="1911"/>
             </a:lvl2pPr>
             <a:lvl3pPr>
-              <a:defRPr sz="1760"/>
+              <a:defRPr sz="1638"/>
             </a:lvl3pPr>
             <a:lvl4pPr>
-              <a:defRPr sz="1467"/>
+              <a:defRPr sz="1365"/>
             </a:lvl4pPr>
             <a:lvl5pPr>
-              <a:defRPr sz="1467"/>
+              <a:defRPr sz="1365"/>
             </a:lvl5pPr>
             <a:lvl6pPr>
-              <a:defRPr sz="1467"/>
+              <a:defRPr sz="1365"/>
             </a:lvl6pPr>
             <a:lvl7pPr>
-              <a:defRPr sz="1467"/>
+              <a:defRPr sz="1365"/>
             </a:lvl7pPr>
             <a:lvl8pPr>
-              <a:defRPr sz="1467"/>
+              <a:defRPr sz="1365"/>
             </a:lvl8pPr>
             <a:lvl9pPr>
-              <a:defRPr sz="1467"/>
+              <a:defRPr sz="1365"/>
             </a:lvl9pPr>
           </a:lstStyle>
           <a:p>
@@ -2028,8 +2028,8 @@
         </p:nvSpPr>
         <p:spPr>
           <a:xfrm>
-            <a:off x="839789" y="1508760"/>
-            <a:ext cx="3932237" cy="2795165"/>
+            <a:off x="839789" y="1403985"/>
+            <a:ext cx="3932237" cy="2601056"/>
           </a:xfrm>
         </p:spPr>
         <p:txBody>
@@ -2037,39 +2037,39 @@
           <a:lstStyle>
             <a:lvl1pPr marL="0" indent="0">
               <a:buNone/>
-              <a:defRPr sz="1173"/>
+              <a:defRPr sz="1092"/>
             </a:lvl1pPr>
-            <a:lvl2pPr marL="335265" indent="0">
-              <a:buNone/>
-              <a:defRPr sz="1027"/>
+            <a:lvl2pPr marL="311993" indent="0">
+              <a:buNone/>
+              <a:defRPr sz="955"/>
             </a:lvl2pPr>
-            <a:lvl3pPr marL="670530" indent="0">
-              <a:buNone/>
-              <a:defRPr sz="880"/>
+            <a:lvl3pPr marL="623987" indent="0">
+              <a:buNone/>
+              <a:defRPr sz="819"/>
             </a:lvl3pPr>
-            <a:lvl4pPr marL="1005794" indent="0">
-              <a:buNone/>
-              <a:defRPr sz="733"/>
+            <a:lvl4pPr marL="935980" indent="0">
+              <a:buNone/>
+              <a:defRPr sz="682"/>
             </a:lvl4pPr>
-            <a:lvl5pPr marL="1341059" indent="0">
-              <a:buNone/>
-              <a:defRPr sz="733"/>
+            <a:lvl5pPr marL="1247973" indent="0">
+              <a:buNone/>
+              <a:defRPr sz="682"/>
             </a:lvl5pPr>
-            <a:lvl6pPr marL="1676324" indent="0">
-              <a:buNone/>
-              <a:defRPr sz="733"/>
+            <a:lvl6pPr marL="1559966" indent="0">
+              <a:buNone/>
+              <a:defRPr sz="682"/>
             </a:lvl6pPr>
-            <a:lvl7pPr marL="2011589" indent="0">
-              <a:buNone/>
-              <a:defRPr sz="733"/>
+            <a:lvl7pPr marL="1871960" indent="0">
+              <a:buNone/>
+              <a:defRPr sz="682"/>
             </a:lvl7pPr>
-            <a:lvl8pPr marL="2346853" indent="0">
-              <a:buNone/>
-              <a:defRPr sz="733"/>
+            <a:lvl8pPr marL="2183953" indent="0">
+              <a:buNone/>
+              <a:defRPr sz="682"/>
             </a:lvl8pPr>
-            <a:lvl9pPr marL="2682118" indent="0">
-              <a:buNone/>
-              <a:defRPr sz="733"/>
+            <a:lvl9pPr marL="2495946" indent="0">
+              <a:buNone/>
+              <a:defRPr sz="682"/>
             </a:lvl9pPr>
           </a:lstStyle>
           <a:p>
@@ -2098,7 +2098,7 @@
           <a:p>
             <a:fld id="{DF4D41E4-F8C1-0241-8229-775EA06FCC2F}" type="datetimeFigureOut">
               <a:rPr lang="en-US" smtClean="0"/>
-              <a:t>10/30/20</a:t>
+              <a:t>11/2/20</a:t>
             </a:fld>
             <a:endParaRPr lang="en-US"/>
           </a:p>
@@ -2149,7 +2149,7 @@
     </p:spTree>
     <p:extLst>
       <p:ext uri="{BB962C8B-B14F-4D97-AF65-F5344CB8AC3E}">
-        <p14:creationId xmlns:p14="http://schemas.microsoft.com/office/powerpoint/2010/main" val="3977842766"/>
+        <p14:creationId xmlns:p14="http://schemas.microsoft.com/office/powerpoint/2010/main" val="3123701458"/>
       </p:ext>
     </p:extLst>
   </p:cSld>
@@ -2188,15 +2188,15 @@
         </p:nvSpPr>
         <p:spPr>
           <a:xfrm>
-            <a:off x="839789" y="335280"/>
-            <a:ext cx="3932237" cy="1173480"/>
+            <a:off x="839789" y="311997"/>
+            <a:ext cx="3932237" cy="1091988"/>
           </a:xfrm>
         </p:spPr>
         <p:txBody>
           <a:bodyPr anchor="b"/>
           <a:lstStyle>
             <a:lvl1pPr>
-              <a:defRPr sz="2347"/>
+              <a:defRPr sz="2184"/>
             </a:lvl1pPr>
           </a:lstStyle>
           <a:p>
@@ -2220,8 +2220,8 @@
         </p:nvSpPr>
         <p:spPr>
           <a:xfrm>
-            <a:off x="5183188" y="724112"/>
-            <a:ext cx="6172200" cy="3573992"/>
+            <a:off x="5183188" y="673826"/>
+            <a:ext cx="6172200" cy="3325798"/>
           </a:xfrm>
         </p:spPr>
         <p:txBody>
@@ -2229,39 +2229,39 @@
           <a:lstStyle>
             <a:lvl1pPr marL="0" indent="0">
               <a:buNone/>
-              <a:defRPr sz="2347"/>
+              <a:defRPr sz="2184"/>
             </a:lvl1pPr>
-            <a:lvl2pPr marL="335265" indent="0">
-              <a:buNone/>
-              <a:defRPr sz="2053"/>
+            <a:lvl2pPr marL="311993" indent="0">
+              <a:buNone/>
+              <a:defRPr sz="1911"/>
             </a:lvl2pPr>
-            <a:lvl3pPr marL="670530" indent="0">
-              <a:buNone/>
-              <a:defRPr sz="1760"/>
+            <a:lvl3pPr marL="623987" indent="0">
+              <a:buNone/>
+              <a:defRPr sz="1638"/>
             </a:lvl3pPr>
-            <a:lvl4pPr marL="1005794" indent="0">
-              <a:buNone/>
-              <a:defRPr sz="1467"/>
+            <a:lvl4pPr marL="935980" indent="0">
+              <a:buNone/>
+              <a:defRPr sz="1365"/>
             </a:lvl4pPr>
-            <a:lvl5pPr marL="1341059" indent="0">
-              <a:buNone/>
-              <a:defRPr sz="1467"/>
+            <a:lvl5pPr marL="1247973" indent="0">
+              <a:buNone/>
+              <a:defRPr sz="1365"/>
             </a:lvl5pPr>
-            <a:lvl6pPr marL="1676324" indent="0">
-              <a:buNone/>
-              <a:defRPr sz="1467"/>
+            <a:lvl6pPr marL="1559966" indent="0">
+              <a:buNone/>
+              <a:defRPr sz="1365"/>
             </a:lvl6pPr>
-            <a:lvl7pPr marL="2011589" indent="0">
-              <a:buNone/>
-              <a:defRPr sz="1467"/>
+            <a:lvl7pPr marL="1871960" indent="0">
+              <a:buNone/>
+              <a:defRPr sz="1365"/>
             </a:lvl7pPr>
-            <a:lvl8pPr marL="2346853" indent="0">
-              <a:buNone/>
-              <a:defRPr sz="1467"/>
+            <a:lvl8pPr marL="2183953" indent="0">
+              <a:buNone/>
+              <a:defRPr sz="1365"/>
             </a:lvl8pPr>
-            <a:lvl9pPr marL="2682118" indent="0">
-              <a:buNone/>
-              <a:defRPr sz="1467"/>
+            <a:lvl9pPr marL="2495946" indent="0">
+              <a:buNone/>
+              <a:defRPr sz="1365"/>
             </a:lvl9pPr>
           </a:lstStyle>
           <a:p>
@@ -2285,8 +2285,8 @@
         </p:nvSpPr>
         <p:spPr>
           <a:xfrm>
-            <a:off x="839789" y="1508760"/>
-            <a:ext cx="3932237" cy="2795165"/>
+            <a:off x="839789" y="1403985"/>
+            <a:ext cx="3932237" cy="2601056"/>
           </a:xfrm>
         </p:spPr>
         <p:txBody>
@@ -2294,39 +2294,39 @@
           <a:lstStyle>
             <a:lvl1pPr marL="0" indent="0">
               <a:buNone/>
-              <a:defRPr sz="1173"/>
+              <a:defRPr sz="1092"/>
             </a:lvl1pPr>
-            <a:lvl2pPr marL="335265" indent="0">
-              <a:buNone/>
-              <a:defRPr sz="1027"/>
+            <a:lvl2pPr marL="311993" indent="0">
+              <a:buNone/>
+              <a:defRPr sz="955"/>
             </a:lvl2pPr>
-            <a:lvl3pPr marL="670530" indent="0">
-              <a:buNone/>
-              <a:defRPr sz="880"/>
+            <a:lvl3pPr marL="623987" indent="0">
+              <a:buNone/>
+              <a:defRPr sz="819"/>
             </a:lvl3pPr>
-            <a:lvl4pPr marL="1005794" indent="0">
-              <a:buNone/>
-              <a:defRPr sz="733"/>
+            <a:lvl4pPr marL="935980" indent="0">
+              <a:buNone/>
+              <a:defRPr sz="682"/>
             </a:lvl4pPr>
-            <a:lvl5pPr marL="1341059" indent="0">
-              <a:buNone/>
-              <a:defRPr sz="733"/>
+            <a:lvl5pPr marL="1247973" indent="0">
+              <a:buNone/>
+              <a:defRPr sz="682"/>
             </a:lvl5pPr>
-            <a:lvl6pPr marL="1676324" indent="0">
-              <a:buNone/>
-              <a:defRPr sz="733"/>
+            <a:lvl6pPr marL="1559966" indent="0">
+              <a:buNone/>
+              <a:defRPr sz="682"/>
             </a:lvl6pPr>
-            <a:lvl7pPr marL="2011589" indent="0">
-              <a:buNone/>
-              <a:defRPr sz="733"/>
+            <a:lvl7pPr marL="1871960" indent="0">
+              <a:buNone/>
+              <a:defRPr sz="682"/>
             </a:lvl7pPr>
-            <a:lvl8pPr marL="2346853" indent="0">
-              <a:buNone/>
-              <a:defRPr sz="733"/>
+            <a:lvl8pPr marL="2183953" indent="0">
+              <a:buNone/>
+              <a:defRPr sz="682"/>
             </a:lvl8pPr>
-            <a:lvl9pPr marL="2682118" indent="0">
-              <a:buNone/>
-              <a:defRPr sz="733"/>
+            <a:lvl9pPr marL="2495946" indent="0">
+              <a:buNone/>
+              <a:defRPr sz="682"/>
             </a:lvl9pPr>
           </a:lstStyle>
           <a:p>
@@ -2355,7 +2355,7 @@
           <a:p>
             <a:fld id="{DF4D41E4-F8C1-0241-8229-775EA06FCC2F}" type="datetimeFigureOut">
               <a:rPr lang="en-US" smtClean="0"/>
-              <a:t>10/30/20</a:t>
+              <a:t>11/2/20</a:t>
             </a:fld>
             <a:endParaRPr lang="en-US"/>
           </a:p>
@@ -2406,7 +2406,7 @@
     </p:spTree>
     <p:extLst>
       <p:ext uri="{BB962C8B-B14F-4D97-AF65-F5344CB8AC3E}">
-        <p14:creationId xmlns:p14="http://schemas.microsoft.com/office/powerpoint/2010/main" val="2392374366"/>
+        <p14:creationId xmlns:p14="http://schemas.microsoft.com/office/powerpoint/2010/main" val="1359504355"/>
       </p:ext>
     </p:extLst>
   </p:cSld>
@@ -2450,8 +2450,8 @@
         </p:nvSpPr>
         <p:spPr>
           <a:xfrm>
-            <a:off x="838200" y="267758"/>
-            <a:ext cx="10515600" cy="972080"/>
+            <a:off x="838200" y="249164"/>
+            <a:ext cx="10515600" cy="904574"/>
           </a:xfrm>
           <a:prstGeom prst="rect">
             <a:avLst/>
@@ -2483,8 +2483,8 @@
         </p:nvSpPr>
         <p:spPr>
           <a:xfrm>
-            <a:off x="838200" y="1338792"/>
-            <a:ext cx="10515600" cy="3190981"/>
+            <a:off x="838200" y="1245820"/>
+            <a:ext cx="10515600" cy="2969385"/>
           </a:xfrm>
           <a:prstGeom prst="rect">
             <a:avLst/>
@@ -2545,8 +2545,8 @@
         </p:nvSpPr>
         <p:spPr>
           <a:xfrm>
-            <a:off x="838200" y="4661324"/>
-            <a:ext cx="2743200" cy="267758"/>
+            <a:off x="838200" y="4337621"/>
+            <a:ext cx="2743200" cy="249164"/>
           </a:xfrm>
           <a:prstGeom prst="rect">
             <a:avLst/>
@@ -2556,7 +2556,7 @@
           <a:bodyPr vert="horz" lIns="91440" tIns="45720" rIns="91440" bIns="45720" rtlCol="0" anchor="ctr"/>
           <a:lstStyle>
             <a:lvl1pPr algn="l">
-              <a:defRPr sz="880">
+              <a:defRPr sz="819">
                 <a:solidFill>
                   <a:schemeClr val="tx1">
                     <a:tint val="75000"/>
@@ -2568,7 +2568,7 @@
           <a:p>
             <a:fld id="{DF4D41E4-F8C1-0241-8229-775EA06FCC2F}" type="datetimeFigureOut">
               <a:rPr lang="en-US" smtClean="0"/>
-              <a:t>10/30/20</a:t>
+              <a:t>11/2/20</a:t>
             </a:fld>
             <a:endParaRPr lang="en-US"/>
           </a:p>
@@ -2586,8 +2586,8 @@
         </p:nvSpPr>
         <p:spPr>
           <a:xfrm>
-            <a:off x="4038600" y="4661324"/>
-            <a:ext cx="4114800" cy="267758"/>
+            <a:off x="4038600" y="4337621"/>
+            <a:ext cx="4114800" cy="249164"/>
           </a:xfrm>
           <a:prstGeom prst="rect">
             <a:avLst/>
@@ -2597,7 +2597,7 @@
           <a:bodyPr vert="horz" lIns="91440" tIns="45720" rIns="91440" bIns="45720" rtlCol="0" anchor="ctr"/>
           <a:lstStyle>
             <a:lvl1pPr algn="ctr">
-              <a:defRPr sz="880">
+              <a:defRPr sz="819">
                 <a:solidFill>
                   <a:schemeClr val="tx1">
                     <a:tint val="75000"/>
@@ -2623,8 +2623,8 @@
         </p:nvSpPr>
         <p:spPr>
           <a:xfrm>
-            <a:off x="8610600" y="4661324"/>
-            <a:ext cx="2743200" cy="267758"/>
+            <a:off x="8610600" y="4337621"/>
+            <a:ext cx="2743200" cy="249164"/>
           </a:xfrm>
           <a:prstGeom prst="rect">
             <a:avLst/>
@@ -2634,7 +2634,7 @@
           <a:bodyPr vert="horz" lIns="91440" tIns="45720" rIns="91440" bIns="45720" rtlCol="0" anchor="ctr"/>
           <a:lstStyle>
             <a:lvl1pPr algn="r">
-              <a:defRPr sz="880">
+              <a:defRPr sz="819">
                 <a:solidFill>
                   <a:schemeClr val="tx1">
                     <a:tint val="75000"/>
@@ -2655,27 +2655,27 @@
     </p:spTree>
     <p:extLst>
       <p:ext uri="{BB962C8B-B14F-4D97-AF65-F5344CB8AC3E}">
-        <p14:creationId xmlns:p14="http://schemas.microsoft.com/office/powerpoint/2010/main" val="3100480962"/>
+        <p14:creationId xmlns:p14="http://schemas.microsoft.com/office/powerpoint/2010/main" val="12297423"/>
       </p:ext>
     </p:extLst>
   </p:cSld>
   <p:clrMap bg1="lt1" tx1="dk1" bg2="lt2" tx2="dk2" accent1="accent1" accent2="accent2" accent3="accent3" accent4="accent4" accent5="accent5" accent6="accent6" hlink="hlink" folHlink="folHlink"/>
   <p:sldLayoutIdLst>
-    <p:sldLayoutId id="2147483709" r:id="rId1"/>
-    <p:sldLayoutId id="2147483710" r:id="rId2"/>
-    <p:sldLayoutId id="2147483711" r:id="rId3"/>
-    <p:sldLayoutId id="2147483712" r:id="rId4"/>
-    <p:sldLayoutId id="2147483713" r:id="rId5"/>
-    <p:sldLayoutId id="2147483714" r:id="rId6"/>
-    <p:sldLayoutId id="2147483715" r:id="rId7"/>
-    <p:sldLayoutId id="2147483716" r:id="rId8"/>
-    <p:sldLayoutId id="2147483717" r:id="rId9"/>
-    <p:sldLayoutId id="2147483718" r:id="rId10"/>
-    <p:sldLayoutId id="2147483719" r:id="rId11"/>
+    <p:sldLayoutId id="2147483721" r:id="rId1"/>
+    <p:sldLayoutId id="2147483722" r:id="rId2"/>
+    <p:sldLayoutId id="2147483723" r:id="rId3"/>
+    <p:sldLayoutId id="2147483724" r:id="rId4"/>
+    <p:sldLayoutId id="2147483725" r:id="rId5"/>
+    <p:sldLayoutId id="2147483726" r:id="rId6"/>
+    <p:sldLayoutId id="2147483727" r:id="rId7"/>
+    <p:sldLayoutId id="2147483728" r:id="rId8"/>
+    <p:sldLayoutId id="2147483729" r:id="rId9"/>
+    <p:sldLayoutId id="2147483730" r:id="rId10"/>
+    <p:sldLayoutId id="2147483731" r:id="rId11"/>
   </p:sldLayoutIdLst>
   <p:txStyles>
     <p:titleStyle>
-      <a:lvl1pPr algn="l" defTabSz="670530" rtl="0" eaLnBrk="1" latinLnBrk="0" hangingPunct="1">
+      <a:lvl1pPr algn="l" defTabSz="623987" rtl="0" eaLnBrk="1" latinLnBrk="0" hangingPunct="1">
         <a:lnSpc>
           <a:spcPct val="90000"/>
         </a:lnSpc>
@@ -2683,7 +2683,7 @@
           <a:spcPct val="0"/>
         </a:spcBef>
         <a:buNone/>
-        <a:defRPr sz="3227" kern="1200">
+        <a:defRPr sz="3003" kern="1200">
           <a:solidFill>
             <a:schemeClr val="tx1"/>
           </a:solidFill>
@@ -2694,16 +2694,16 @@
       </a:lvl1pPr>
     </p:titleStyle>
     <p:bodyStyle>
-      <a:lvl1pPr marL="167632" indent="-167632" algn="l" defTabSz="670530" rtl="0" eaLnBrk="1" latinLnBrk="0" hangingPunct="1">
+      <a:lvl1pPr marL="155997" indent="-155997" algn="l" defTabSz="623987" rtl="0" eaLnBrk="1" latinLnBrk="0" hangingPunct="1">
         <a:lnSpc>
           <a:spcPct val="90000"/>
         </a:lnSpc>
         <a:spcBef>
-          <a:spcPts val="733"/>
+          <a:spcPts val="682"/>
         </a:spcBef>
         <a:buFont typeface="Arial" panose="020B0604020202020204" pitchFamily="34" charset="0"/>
         <a:buChar char="•"/>
-        <a:defRPr sz="2053" kern="1200">
+        <a:defRPr sz="1911" kern="1200">
           <a:solidFill>
             <a:schemeClr val="tx1"/>
           </a:solidFill>
@@ -2712,16 +2712,16 @@
           <a:cs typeface="+mn-cs"/>
         </a:defRPr>
       </a:lvl1pPr>
-      <a:lvl2pPr marL="502897" indent="-167632" algn="l" defTabSz="670530" rtl="0" eaLnBrk="1" latinLnBrk="0" hangingPunct="1">
+      <a:lvl2pPr marL="467990" indent="-155997" algn="l" defTabSz="623987" rtl="0" eaLnBrk="1" latinLnBrk="0" hangingPunct="1">
         <a:lnSpc>
           <a:spcPct val="90000"/>
         </a:lnSpc>
         <a:spcBef>
-          <a:spcPts val="367"/>
+          <a:spcPts val="341"/>
         </a:spcBef>
         <a:buFont typeface="Arial" panose="020B0604020202020204" pitchFamily="34" charset="0"/>
         <a:buChar char="•"/>
-        <a:defRPr sz="1760" kern="1200">
+        <a:defRPr sz="1638" kern="1200">
           <a:solidFill>
             <a:schemeClr val="tx1"/>
           </a:solidFill>
@@ -2730,16 +2730,16 @@
           <a:cs typeface="+mn-cs"/>
         </a:defRPr>
       </a:lvl2pPr>
-      <a:lvl3pPr marL="838162" indent="-167632" algn="l" defTabSz="670530" rtl="0" eaLnBrk="1" latinLnBrk="0" hangingPunct="1">
+      <a:lvl3pPr marL="779983" indent="-155997" algn="l" defTabSz="623987" rtl="0" eaLnBrk="1" latinLnBrk="0" hangingPunct="1">
         <a:lnSpc>
           <a:spcPct val="90000"/>
         </a:lnSpc>
         <a:spcBef>
-          <a:spcPts val="367"/>
+          <a:spcPts val="341"/>
         </a:spcBef>
         <a:buFont typeface="Arial" panose="020B0604020202020204" pitchFamily="34" charset="0"/>
         <a:buChar char="•"/>
-        <a:defRPr sz="1467" kern="1200">
+        <a:defRPr sz="1365" kern="1200">
           <a:solidFill>
             <a:schemeClr val="tx1"/>
           </a:solidFill>
@@ -2748,16 +2748,16 @@
           <a:cs typeface="+mn-cs"/>
         </a:defRPr>
       </a:lvl3pPr>
-      <a:lvl4pPr marL="1173427" indent="-167632" algn="l" defTabSz="670530" rtl="0" eaLnBrk="1" latinLnBrk="0" hangingPunct="1">
+      <a:lvl4pPr marL="1091976" indent="-155997" algn="l" defTabSz="623987" rtl="0" eaLnBrk="1" latinLnBrk="0" hangingPunct="1">
         <a:lnSpc>
           <a:spcPct val="90000"/>
         </a:lnSpc>
         <a:spcBef>
-          <a:spcPts val="367"/>
+          <a:spcPts val="341"/>
         </a:spcBef>
         <a:buFont typeface="Arial" panose="020B0604020202020204" pitchFamily="34" charset="0"/>
         <a:buChar char="•"/>
-        <a:defRPr sz="1320" kern="1200">
+        <a:defRPr sz="1228" kern="1200">
           <a:solidFill>
             <a:schemeClr val="tx1"/>
           </a:solidFill>
@@ -2766,16 +2766,16 @@
           <a:cs typeface="+mn-cs"/>
         </a:defRPr>
       </a:lvl4pPr>
-      <a:lvl5pPr marL="1508691" indent="-167632" algn="l" defTabSz="670530" rtl="0" eaLnBrk="1" latinLnBrk="0" hangingPunct="1">
+      <a:lvl5pPr marL="1403970" indent="-155997" algn="l" defTabSz="623987" rtl="0" eaLnBrk="1" latinLnBrk="0" hangingPunct="1">
         <a:lnSpc>
           <a:spcPct val="90000"/>
         </a:lnSpc>
         <a:spcBef>
-          <a:spcPts val="367"/>
+          <a:spcPts val="341"/>
         </a:spcBef>
         <a:buFont typeface="Arial" panose="020B0604020202020204" pitchFamily="34" charset="0"/>
         <a:buChar char="•"/>
-        <a:defRPr sz="1320" kern="1200">
+        <a:defRPr sz="1228" kern="1200">
           <a:solidFill>
             <a:schemeClr val="tx1"/>
           </a:solidFill>
@@ -2784,16 +2784,16 @@
           <a:cs typeface="+mn-cs"/>
         </a:defRPr>
       </a:lvl5pPr>
-      <a:lvl6pPr marL="1843956" indent="-167632" algn="l" defTabSz="670530" rtl="0" eaLnBrk="1" latinLnBrk="0" hangingPunct="1">
+      <a:lvl6pPr marL="1715963" indent="-155997" algn="l" defTabSz="623987" rtl="0" eaLnBrk="1" latinLnBrk="0" hangingPunct="1">
         <a:lnSpc>
           <a:spcPct val="90000"/>
         </a:lnSpc>
         <a:spcBef>
-          <a:spcPts val="367"/>
+          <a:spcPts val="341"/>
         </a:spcBef>
         <a:buFont typeface="Arial" panose="020B0604020202020204" pitchFamily="34" charset="0"/>
         <a:buChar char="•"/>
-        <a:defRPr sz="1320" kern="1200">
+        <a:defRPr sz="1228" kern="1200">
           <a:solidFill>
             <a:schemeClr val="tx1"/>
           </a:solidFill>
@@ -2802,16 +2802,16 @@
           <a:cs typeface="+mn-cs"/>
         </a:defRPr>
       </a:lvl6pPr>
-      <a:lvl7pPr marL="2179221" indent="-167632" algn="l" defTabSz="670530" rtl="0" eaLnBrk="1" latinLnBrk="0" hangingPunct="1">
+      <a:lvl7pPr marL="2027956" indent="-155997" algn="l" defTabSz="623987" rtl="0" eaLnBrk="1" latinLnBrk="0" hangingPunct="1">
         <a:lnSpc>
           <a:spcPct val="90000"/>
         </a:lnSpc>
         <a:spcBef>
-          <a:spcPts val="367"/>
+          <a:spcPts val="341"/>
         </a:spcBef>
         <a:buFont typeface="Arial" panose="020B0604020202020204" pitchFamily="34" charset="0"/>
         <a:buChar char="•"/>
-        <a:defRPr sz="1320" kern="1200">
+        <a:defRPr sz="1228" kern="1200">
           <a:solidFill>
             <a:schemeClr val="tx1"/>
           </a:solidFill>
@@ -2820,16 +2820,16 @@
           <a:cs typeface="+mn-cs"/>
         </a:defRPr>
       </a:lvl7pPr>
-      <a:lvl8pPr marL="2514486" indent="-167632" algn="l" defTabSz="670530" rtl="0" eaLnBrk="1" latinLnBrk="0" hangingPunct="1">
+      <a:lvl8pPr marL="2339950" indent="-155997" algn="l" defTabSz="623987" rtl="0" eaLnBrk="1" latinLnBrk="0" hangingPunct="1">
         <a:lnSpc>
           <a:spcPct val="90000"/>
         </a:lnSpc>
         <a:spcBef>
-          <a:spcPts val="367"/>
+          <a:spcPts val="341"/>
         </a:spcBef>
         <a:buFont typeface="Arial" panose="020B0604020202020204" pitchFamily="34" charset="0"/>
         <a:buChar char="•"/>
-        <a:defRPr sz="1320" kern="1200">
+        <a:defRPr sz="1228" kern="1200">
           <a:solidFill>
             <a:schemeClr val="tx1"/>
           </a:solidFill>
@@ -2838,16 +2838,16 @@
           <a:cs typeface="+mn-cs"/>
         </a:defRPr>
       </a:lvl8pPr>
-      <a:lvl9pPr marL="2849750" indent="-167632" algn="l" defTabSz="670530" rtl="0" eaLnBrk="1" latinLnBrk="0" hangingPunct="1">
+      <a:lvl9pPr marL="2651943" indent="-155997" algn="l" defTabSz="623987" rtl="0" eaLnBrk="1" latinLnBrk="0" hangingPunct="1">
         <a:lnSpc>
           <a:spcPct val="90000"/>
         </a:lnSpc>
         <a:spcBef>
-          <a:spcPts val="367"/>
+          <a:spcPts val="341"/>
         </a:spcBef>
         <a:buFont typeface="Arial" panose="020B0604020202020204" pitchFamily="34" charset="0"/>
         <a:buChar char="•"/>
-        <a:defRPr sz="1320" kern="1200">
+        <a:defRPr sz="1228" kern="1200">
           <a:solidFill>
             <a:schemeClr val="tx1"/>
           </a:solidFill>
@@ -2861,8 +2861,8 @@
       <a:defPPr>
         <a:defRPr lang="en-US"/>
       </a:defPPr>
-      <a:lvl1pPr marL="0" algn="l" defTabSz="670530" rtl="0" eaLnBrk="1" latinLnBrk="0" hangingPunct="1">
-        <a:defRPr sz="1320" kern="1200">
+      <a:lvl1pPr marL="0" algn="l" defTabSz="623987" rtl="0" eaLnBrk="1" latinLnBrk="0" hangingPunct="1">
+        <a:defRPr sz="1228" kern="1200">
           <a:solidFill>
             <a:schemeClr val="tx1"/>
           </a:solidFill>
@@ -2871,8 +2871,8 @@
           <a:cs typeface="+mn-cs"/>
         </a:defRPr>
       </a:lvl1pPr>
-      <a:lvl2pPr marL="335265" algn="l" defTabSz="670530" rtl="0" eaLnBrk="1" latinLnBrk="0" hangingPunct="1">
-        <a:defRPr sz="1320" kern="1200">
+      <a:lvl2pPr marL="311993" algn="l" defTabSz="623987" rtl="0" eaLnBrk="1" latinLnBrk="0" hangingPunct="1">
+        <a:defRPr sz="1228" kern="1200">
           <a:solidFill>
             <a:schemeClr val="tx1"/>
           </a:solidFill>
@@ -2881,8 +2881,8 @@
           <a:cs typeface="+mn-cs"/>
         </a:defRPr>
       </a:lvl2pPr>
-      <a:lvl3pPr marL="670530" algn="l" defTabSz="670530" rtl="0" eaLnBrk="1" latinLnBrk="0" hangingPunct="1">
-        <a:defRPr sz="1320" kern="1200">
+      <a:lvl3pPr marL="623987" algn="l" defTabSz="623987" rtl="0" eaLnBrk="1" latinLnBrk="0" hangingPunct="1">
+        <a:defRPr sz="1228" kern="1200">
           <a:solidFill>
             <a:schemeClr val="tx1"/>
           </a:solidFill>
@@ -2891,8 +2891,8 @@
           <a:cs typeface="+mn-cs"/>
         </a:defRPr>
       </a:lvl3pPr>
-      <a:lvl4pPr marL="1005794" algn="l" defTabSz="670530" rtl="0" eaLnBrk="1" latinLnBrk="0" hangingPunct="1">
-        <a:defRPr sz="1320" kern="1200">
+      <a:lvl4pPr marL="935980" algn="l" defTabSz="623987" rtl="0" eaLnBrk="1" latinLnBrk="0" hangingPunct="1">
+        <a:defRPr sz="1228" kern="1200">
           <a:solidFill>
             <a:schemeClr val="tx1"/>
           </a:solidFill>
@@ -2901,8 +2901,8 @@
           <a:cs typeface="+mn-cs"/>
         </a:defRPr>
       </a:lvl4pPr>
-      <a:lvl5pPr marL="1341059" algn="l" defTabSz="670530" rtl="0" eaLnBrk="1" latinLnBrk="0" hangingPunct="1">
-        <a:defRPr sz="1320" kern="1200">
+      <a:lvl5pPr marL="1247973" algn="l" defTabSz="623987" rtl="0" eaLnBrk="1" latinLnBrk="0" hangingPunct="1">
+        <a:defRPr sz="1228" kern="1200">
           <a:solidFill>
             <a:schemeClr val="tx1"/>
           </a:solidFill>
@@ -2911,8 +2911,8 @@
           <a:cs typeface="+mn-cs"/>
         </a:defRPr>
       </a:lvl5pPr>
-      <a:lvl6pPr marL="1676324" algn="l" defTabSz="670530" rtl="0" eaLnBrk="1" latinLnBrk="0" hangingPunct="1">
-        <a:defRPr sz="1320" kern="1200">
+      <a:lvl6pPr marL="1559966" algn="l" defTabSz="623987" rtl="0" eaLnBrk="1" latinLnBrk="0" hangingPunct="1">
+        <a:defRPr sz="1228" kern="1200">
           <a:solidFill>
             <a:schemeClr val="tx1"/>
           </a:solidFill>
@@ -2921,8 +2921,8 @@
           <a:cs typeface="+mn-cs"/>
         </a:defRPr>
       </a:lvl6pPr>
-      <a:lvl7pPr marL="2011589" algn="l" defTabSz="670530" rtl="0" eaLnBrk="1" latinLnBrk="0" hangingPunct="1">
-        <a:defRPr sz="1320" kern="1200">
+      <a:lvl7pPr marL="1871960" algn="l" defTabSz="623987" rtl="0" eaLnBrk="1" latinLnBrk="0" hangingPunct="1">
+        <a:defRPr sz="1228" kern="1200">
           <a:solidFill>
             <a:schemeClr val="tx1"/>
           </a:solidFill>
@@ -2931,8 +2931,8 @@
           <a:cs typeface="+mn-cs"/>
         </a:defRPr>
       </a:lvl7pPr>
-      <a:lvl8pPr marL="2346853" algn="l" defTabSz="670530" rtl="0" eaLnBrk="1" latinLnBrk="0" hangingPunct="1">
-        <a:defRPr sz="1320" kern="1200">
+      <a:lvl8pPr marL="2183953" algn="l" defTabSz="623987" rtl="0" eaLnBrk="1" latinLnBrk="0" hangingPunct="1">
+        <a:defRPr sz="1228" kern="1200">
           <a:solidFill>
             <a:schemeClr val="tx1"/>
           </a:solidFill>
@@ -2941,8 +2941,8 @@
           <a:cs typeface="+mn-cs"/>
         </a:defRPr>
       </a:lvl8pPr>
-      <a:lvl9pPr marL="2682118" algn="l" defTabSz="670530" rtl="0" eaLnBrk="1" latinLnBrk="0" hangingPunct="1">
-        <a:defRPr sz="1320" kern="1200">
+      <a:lvl9pPr marL="2495946" algn="l" defTabSz="623987" rtl="0" eaLnBrk="1" latinLnBrk="0" hangingPunct="1">
+        <a:defRPr sz="1228" kern="1200">
           <a:solidFill>
             <a:schemeClr val="tx1"/>
           </a:solidFill>
@@ -2995,7 +2995,7 @@
         </p:blipFill>
         <p:spPr>
           <a:xfrm>
-            <a:off x="0" y="-32384"/>
+            <a:off x="0" y="-109036"/>
             <a:ext cx="12192000" cy="4506951"/>
           </a:xfrm>
           <a:prstGeom prst="rect">
@@ -3017,7 +3017,7 @@
         </p:nvSpPr>
         <p:spPr>
           <a:xfrm>
-            <a:off x="629185" y="136576"/>
+            <a:off x="629186" y="59924"/>
             <a:ext cx="503583" cy="369332"/>
           </a:xfrm>
           <a:prstGeom prst="rect">
@@ -3037,7 +3037,7 @@
                 <a:latin typeface="Arial" panose="020B0604020202020204" pitchFamily="34" charset="0"/>
                 <a:cs typeface="Arial" panose="020B0604020202020204" pitchFamily="34" charset="0"/>
               </a:rPr>
-              <a:t>A</a:t>
+              <a:t>a</a:t>
             </a:r>
           </a:p>
         </p:txBody>
@@ -3056,7 +3056,7 @@
         </p:nvSpPr>
         <p:spPr>
           <a:xfrm>
-            <a:off x="4636893" y="136576"/>
+            <a:off x="4636894" y="59924"/>
             <a:ext cx="503583" cy="369332"/>
           </a:xfrm>
           <a:prstGeom prst="rect">
@@ -3076,7 +3076,7 @@
                 <a:latin typeface="Arial" panose="020B0604020202020204" pitchFamily="34" charset="0"/>
                 <a:cs typeface="Arial" panose="020B0604020202020204" pitchFamily="34" charset="0"/>
               </a:rPr>
-              <a:t>B</a:t>
+              <a:t>b</a:t>
             </a:r>
           </a:p>
         </p:txBody>
@@ -3095,7 +3095,7 @@
         </p:nvSpPr>
         <p:spPr>
           <a:xfrm>
-            <a:off x="8644601" y="136576"/>
+            <a:off x="8644602" y="59924"/>
             <a:ext cx="503583" cy="369332"/>
           </a:xfrm>
           <a:prstGeom prst="rect">
@@ -3115,7 +3115,7 @@
                 <a:latin typeface="Arial" panose="020B0604020202020204" pitchFamily="34" charset="0"/>
                 <a:cs typeface="Arial" panose="020B0604020202020204" pitchFamily="34" charset="0"/>
               </a:rPr>
-              <a:t>C</a:t>
+              <a:t>c</a:t>
             </a:r>
           </a:p>
         </p:txBody>
@@ -3134,7 +3134,7 @@
         </p:nvSpPr>
         <p:spPr>
           <a:xfrm>
-            <a:off x="626350" y="4487135"/>
+            <a:off x="1283513" y="133910"/>
             <a:ext cx="210065" cy="210065"/>
           </a:xfrm>
           <a:prstGeom prst="rect">
@@ -3170,7 +3170,7 @@
           <a:lstStyle/>
           <a:p>
             <a:pPr algn="ctr"/>
-            <a:endParaRPr lang="en-US"/>
+            <a:endParaRPr lang="en-US" sz="1400"/>
           </a:p>
         </p:txBody>
       </p:sp>
@@ -3188,8 +3188,8 @@
         </p:nvSpPr>
         <p:spPr>
           <a:xfrm>
-            <a:off x="823906" y="4427115"/>
-            <a:ext cx="4259500" cy="338554"/>
+            <a:off x="1458628" y="69665"/>
+            <a:ext cx="2579970" cy="369332"/>
           </a:xfrm>
           <a:prstGeom prst="rect">
             <a:avLst/>
@@ -3203,11 +3203,25 @@
           <a:lstStyle/>
           <a:p>
             <a:r>
+              <a:rPr lang="en-US" dirty="0">
+                <a:latin typeface="Arial" panose="020B0604020202020204" pitchFamily="34" charset="0"/>
+                <a:cs typeface="Arial" panose="020B0604020202020204" pitchFamily="34" charset="0"/>
+              </a:rPr>
+              <a:t>Baseline</a:t>
+            </a:r>
+            <a:r>
               <a:rPr lang="en-US" sz="1600" dirty="0">
                 <a:latin typeface="Arial" panose="020B0604020202020204" pitchFamily="34" charset="0"/>
                 <a:cs typeface="Arial" panose="020B0604020202020204" pitchFamily="34" charset="0"/>
               </a:rPr>
-              <a:t>Clearance-promoting parameter set</a:t>
+              <a:t> </a:t>
+            </a:r>
+            <a:r>
+              <a:rPr lang="en-US" dirty="0">
+                <a:latin typeface="Arial" panose="020B0604020202020204" pitchFamily="34" charset="0"/>
+                <a:cs typeface="Arial" panose="020B0604020202020204" pitchFamily="34" charset="0"/>
+              </a:rPr>
+              <a:t>parameter set</a:t>
             </a:r>
           </a:p>
         </p:txBody>
@@ -3226,7 +3240,7 @@
         </p:nvSpPr>
         <p:spPr>
           <a:xfrm>
-            <a:off x="4654780" y="4487136"/>
+            <a:off x="1283512" y="411374"/>
             <a:ext cx="210065" cy="210065"/>
           </a:xfrm>
           <a:prstGeom prst="rect">
@@ -3262,7 +3276,7 @@
           <a:lstStyle/>
           <a:p>
             <a:pPr algn="ctr"/>
-            <a:endParaRPr lang="en-US"/>
+            <a:endParaRPr lang="en-US" sz="1400"/>
           </a:p>
         </p:txBody>
       </p:sp>
@@ -3280,8 +3294,8 @@
         </p:nvSpPr>
         <p:spPr>
           <a:xfrm>
-            <a:off x="4879222" y="4404813"/>
-            <a:ext cx="3588543" cy="584775"/>
+            <a:off x="629186" y="4273374"/>
+            <a:ext cx="11399529" cy="400110"/>
           </a:xfrm>
           <a:prstGeom prst="rect">
             <a:avLst/>
@@ -3294,12 +3308,13 @@
           </a:bodyPr>
           <a:lstStyle/>
           <a:p>
-            <a:r>
-              <a:rPr lang="en-US" sz="1600" dirty="0">
+            <a:pPr algn="ctr"/>
+            <a:r>
+              <a:rPr lang="en-US" sz="2000" dirty="0">
                 <a:latin typeface="Arial" panose="020B0604020202020204" pitchFamily="34" charset="0"/>
                 <a:cs typeface="Arial" panose="020B0604020202020204" pitchFamily="34" charset="0"/>
               </a:rPr>
-              <a:t>Increase initial Th1ness thru higher baseline Th1 stimulation</a:t>
+              <a:t>Age of infection</a:t>
             </a:r>
           </a:p>
         </p:txBody>
@@ -3318,7 +3333,7 @@
         </p:nvSpPr>
         <p:spPr>
           <a:xfrm>
-            <a:off x="8686332" y="4487136"/>
+            <a:off x="1283512" y="699878"/>
             <a:ext cx="210065" cy="210065"/>
           </a:xfrm>
           <a:prstGeom prst="rect">
@@ -3349,7 +3364,7 @@
           <a:lstStyle/>
           <a:p>
             <a:pPr algn="ctr"/>
-            <a:endParaRPr lang="en-US"/>
+            <a:endParaRPr lang="en-US" sz="1400"/>
           </a:p>
         </p:txBody>
       </p:sp>
@@ -3367,8 +3382,8 @@
         </p:nvSpPr>
         <p:spPr>
           <a:xfrm>
-            <a:off x="8896392" y="4422891"/>
-            <a:ext cx="3269974" cy="584775"/>
+            <a:off x="1458627" y="641396"/>
+            <a:ext cx="3269974" cy="646331"/>
           </a:xfrm>
           <a:prstGeom prst="rect">
             <a:avLst/>
@@ -3382,12 +3397,59 @@
           <a:lstStyle/>
           <a:p>
             <a:r>
-              <a:rPr lang="en-US" sz="1600" dirty="0">
+              <a:rPr lang="en-US" dirty="0">
                 <a:latin typeface="Arial" panose="020B0604020202020204" pitchFamily="34" charset="0"/>
                 <a:cs typeface="Arial" panose="020B0604020202020204" pitchFamily="34" charset="0"/>
               </a:rPr>
-              <a:t>Weaken strength of clearance-promoting feedbacks</a:t>
-            </a:r>
+              <a:t>Weaken clearance-</a:t>
+            </a:r>
+          </a:p>
+          <a:p>
+            <a:r>
+              <a:rPr lang="en-US" dirty="0">
+                <a:latin typeface="Arial" panose="020B0604020202020204" pitchFamily="34" charset="0"/>
+                <a:cs typeface="Arial" panose="020B0604020202020204" pitchFamily="34" charset="0"/>
+              </a:rPr>
+              <a:t>promoting feedbacks</a:t>
+            </a:r>
+          </a:p>
+        </p:txBody>
+      </p:sp>
+      <p:sp>
+        <p:nvSpPr>
+          <p:cNvPr id="2" name="Rectangle 1">
+            <a:extLst>
+              <a:ext uri="{FF2B5EF4-FFF2-40B4-BE49-F238E27FC236}">
+                <a16:creationId xmlns:a16="http://schemas.microsoft.com/office/drawing/2014/main" id="{8469C776-CC98-2C43-BCA5-810D047A0603}"/>
+              </a:ext>
+            </a:extLst>
+          </p:cNvPr>
+          <p:cNvSpPr/>
+          <p:nvPr/>
+        </p:nvSpPr>
+        <p:spPr>
+          <a:xfrm>
+            <a:off x="1458627" y="347195"/>
+            <a:ext cx="2668359" cy="369332"/>
+          </a:xfrm>
+          <a:prstGeom prst="rect">
+            <a:avLst/>
+          </a:prstGeom>
+        </p:spPr>
+        <p:txBody>
+          <a:bodyPr wrap="none">
+            <a:spAutoFit/>
+          </a:bodyPr>
+          <a:lstStyle/>
+          <a:p>
+            <a:r>
+              <a:rPr lang="en-US" dirty="0">
+                <a:latin typeface="Arial" panose="020B0604020202020204" pitchFamily="34" charset="0"/>
+                <a:cs typeface="Arial" panose="020B0604020202020204" pitchFamily="34" charset="0"/>
+              </a:rPr>
+              <a:t>Increase initial Th1ness </a:t>
+            </a:r>
+            <a:endParaRPr lang="en-US" dirty="0"/>
           </a:p>
         </p:txBody>
       </p:sp>

--- a/Grant_figure_4.pptx
+++ b/Grant_figure_4.pptx
@@ -243,7 +243,7 @@
           <a:p>
             <a:fld id="{DF4D41E4-F8C1-0241-8229-775EA06FCC2F}" type="datetimeFigureOut">
               <a:rPr lang="en-US" smtClean="0"/>
-              <a:t>11/2/20</a:t>
+              <a:t>3/1/22</a:t>
             </a:fld>
             <a:endParaRPr lang="en-US"/>
           </a:p>
@@ -413,7 +413,7 @@
           <a:p>
             <a:fld id="{DF4D41E4-F8C1-0241-8229-775EA06FCC2F}" type="datetimeFigureOut">
               <a:rPr lang="en-US" smtClean="0"/>
-              <a:t>11/2/20</a:t>
+              <a:t>3/1/22</a:t>
             </a:fld>
             <a:endParaRPr lang="en-US"/>
           </a:p>
@@ -593,7 +593,7 @@
           <a:p>
             <a:fld id="{DF4D41E4-F8C1-0241-8229-775EA06FCC2F}" type="datetimeFigureOut">
               <a:rPr lang="en-US" smtClean="0"/>
-              <a:t>11/2/20</a:t>
+              <a:t>3/1/22</a:t>
             </a:fld>
             <a:endParaRPr lang="en-US"/>
           </a:p>
@@ -763,7 +763,7 @@
           <a:p>
             <a:fld id="{DF4D41E4-F8C1-0241-8229-775EA06FCC2F}" type="datetimeFigureOut">
               <a:rPr lang="en-US" smtClean="0"/>
-              <a:t>11/2/20</a:t>
+              <a:t>3/1/22</a:t>
             </a:fld>
             <a:endParaRPr lang="en-US"/>
           </a:p>
@@ -1009,7 +1009,7 @@
           <a:p>
             <a:fld id="{DF4D41E4-F8C1-0241-8229-775EA06FCC2F}" type="datetimeFigureOut">
               <a:rPr lang="en-US" smtClean="0"/>
-              <a:t>11/2/20</a:t>
+              <a:t>3/1/22</a:t>
             </a:fld>
             <a:endParaRPr lang="en-US"/>
           </a:p>
@@ -1241,7 +1241,7 @@
           <a:p>
             <a:fld id="{DF4D41E4-F8C1-0241-8229-775EA06FCC2F}" type="datetimeFigureOut">
               <a:rPr lang="en-US" smtClean="0"/>
-              <a:t>11/2/20</a:t>
+              <a:t>3/1/22</a:t>
             </a:fld>
             <a:endParaRPr lang="en-US"/>
           </a:p>
@@ -1608,7 +1608,7 @@
           <a:p>
             <a:fld id="{DF4D41E4-F8C1-0241-8229-775EA06FCC2F}" type="datetimeFigureOut">
               <a:rPr lang="en-US" smtClean="0"/>
-              <a:t>11/2/20</a:t>
+              <a:t>3/1/22</a:t>
             </a:fld>
             <a:endParaRPr lang="en-US"/>
           </a:p>
@@ -1726,7 +1726,7 @@
           <a:p>
             <a:fld id="{DF4D41E4-F8C1-0241-8229-775EA06FCC2F}" type="datetimeFigureOut">
               <a:rPr lang="en-US" smtClean="0"/>
-              <a:t>11/2/20</a:t>
+              <a:t>3/1/22</a:t>
             </a:fld>
             <a:endParaRPr lang="en-US"/>
           </a:p>
@@ -1821,7 +1821,7 @@
           <a:p>
             <a:fld id="{DF4D41E4-F8C1-0241-8229-775EA06FCC2F}" type="datetimeFigureOut">
               <a:rPr lang="en-US" smtClean="0"/>
-              <a:t>11/2/20</a:t>
+              <a:t>3/1/22</a:t>
             </a:fld>
             <a:endParaRPr lang="en-US"/>
           </a:p>
@@ -2098,7 +2098,7 @@
           <a:p>
             <a:fld id="{DF4D41E4-F8C1-0241-8229-775EA06FCC2F}" type="datetimeFigureOut">
               <a:rPr lang="en-US" smtClean="0"/>
-              <a:t>11/2/20</a:t>
+              <a:t>3/1/22</a:t>
             </a:fld>
             <a:endParaRPr lang="en-US"/>
           </a:p>
@@ -2355,7 +2355,7 @@
           <a:p>
             <a:fld id="{DF4D41E4-F8C1-0241-8229-775EA06FCC2F}" type="datetimeFigureOut">
               <a:rPr lang="en-US" smtClean="0"/>
-              <a:t>11/2/20</a:t>
+              <a:t>3/1/22</a:t>
             </a:fld>
             <a:endParaRPr lang="en-US"/>
           </a:p>
@@ -2568,7 +2568,7 @@
           <a:p>
             <a:fld id="{DF4D41E4-F8C1-0241-8229-775EA06FCC2F}" type="datetimeFigureOut">
               <a:rPr lang="en-US" smtClean="0"/>
-              <a:t>11/2/20</a:t>
+              <a:t>3/1/22</a:t>
             </a:fld>
             <a:endParaRPr lang="en-US"/>
           </a:p>
@@ -3453,6 +3453,47 @@
           </a:p>
         </p:txBody>
       </p:sp>
+      <p:sp>
+        <p:nvSpPr>
+          <p:cNvPr id="17" name="TextBox 16">
+            <a:extLst>
+              <a:ext uri="{FF2B5EF4-FFF2-40B4-BE49-F238E27FC236}">
+                <a16:creationId xmlns:a16="http://schemas.microsoft.com/office/drawing/2014/main" id="{F6BDF598-8E7A-C643-8729-B9F0CDCB7572}"/>
+              </a:ext>
+            </a:extLst>
+          </p:cNvPr>
+          <p:cNvSpPr txBox="1"/>
+          <p:nvPr/>
+        </p:nvSpPr>
+        <p:spPr>
+          <a:xfrm>
+            <a:off x="4461013" y="4307187"/>
+            <a:ext cx="3269974" cy="369332"/>
+          </a:xfrm>
+          <a:prstGeom prst="rect">
+            <a:avLst/>
+          </a:prstGeom>
+          <a:solidFill>
+            <a:schemeClr val="bg1"/>
+          </a:solidFill>
+        </p:spPr>
+        <p:txBody>
+          <a:bodyPr wrap="square" rtlCol="0">
+            <a:spAutoFit/>
+          </a:bodyPr>
+          <a:lstStyle/>
+          <a:p>
+            <a:pPr algn="ctr"/>
+            <a:r>
+              <a:rPr lang="en-US" dirty="0">
+                <a:latin typeface="Arial" panose="020B0604020202020204" pitchFamily="34" charset="0"/>
+                <a:cs typeface="Arial" panose="020B0604020202020204" pitchFamily="34" charset="0"/>
+              </a:rPr>
+              <a:t>Days post-infection</a:t>
+            </a:r>
+          </a:p>
+        </p:txBody>
+      </p:sp>
     </p:spTree>
     <p:extLst>
       <p:ext uri="{BB962C8B-B14F-4D97-AF65-F5344CB8AC3E}">
